--- a/python_threads_GIL.pptx
+++ b/python_threads_GIL.pptx
@@ -4551,7 +4551,7 @@
         <p:spPr>
           <a:xfrm>
             <a:off x="0" y="612844"/>
-            <a:ext cx="5795159" cy="5909310"/>
+            <a:ext cx="5973288" cy="4832092"/>
           </a:xfrm>
           <a:prstGeom prst="rect">
             <a:avLst/>
@@ -4565,198 +4565,193 @@
           <a:lstStyle/>
           <a:p>
             <a:r>
-              <a:rPr lang="en-US" dirty="0" err="1"/>
+              <a:rPr lang="en-US" sz="1400" dirty="0" err="1"/>
               <a:t>Eventlet</a:t>
             </a:r>
             <a:r>
-              <a:rPr lang="en-US" dirty="0"/>
+              <a:rPr lang="en-US" sz="1400" dirty="0"/>
               <a:t> is a concurrent networking library for Python</a:t>
             </a:r>
           </a:p>
           <a:p>
             <a:r>
-              <a:rPr lang="en-US" dirty="0"/>
+              <a:rPr lang="en-US" sz="1400" dirty="0"/>
               <a:t> - </a:t>
             </a:r>
             <a:r>
-              <a:rPr lang="en-US" dirty="0">
+              <a:rPr lang="en-US" sz="1400" dirty="0">
                 <a:hlinkClick r:id="rId2"/>
               </a:rPr>
               <a:t>https://eventlet.net/</a:t>
             </a:r>
-            <a:endParaRPr lang="en-US" dirty="0"/>
-          </a:p>
-          <a:p>
-            <a:r>
-              <a:rPr lang="en-US" dirty="0"/>
+            <a:endParaRPr lang="en-US" sz="1400" dirty="0"/>
+          </a:p>
+          <a:p>
+            <a:r>
+              <a:rPr lang="en-US" sz="1400" dirty="0"/>
               <a:t> - </a:t>
             </a:r>
             <a:r>
-              <a:rPr lang="en-US" dirty="0">
+              <a:rPr lang="en-US" sz="1400" dirty="0">
                 <a:hlinkClick r:id="rId3"/>
               </a:rPr>
               <a:t>https://pypi.org/project/eventlet/</a:t>
             </a:r>
             <a:r>
-              <a:rPr lang="en-US" dirty="0"/>
+              <a:rPr lang="en-US" sz="1400" dirty="0"/>
               <a:t> </a:t>
             </a:r>
           </a:p>
           <a:p>
             <a:r>
-              <a:rPr lang="en-US" dirty="0"/>
+              <a:rPr lang="en-US" sz="1400" dirty="0"/>
               <a:t> - </a:t>
             </a:r>
             <a:r>
-              <a:rPr lang="en-US" dirty="0">
+              <a:rPr lang="en-US" sz="1400" dirty="0">
                 <a:hlinkClick r:id="rId4"/>
               </a:rPr>
               <a:t>http://eventlet.net/doc/modules/greenpool.html</a:t>
             </a:r>
             <a:r>
-              <a:rPr lang="en-US" dirty="0"/>
+              <a:rPr lang="en-US" sz="1400" dirty="0"/>
               <a:t> </a:t>
             </a:r>
           </a:p>
           <a:p>
-            <a:endParaRPr lang="en-US" dirty="0"/>
-          </a:p>
-          <a:p>
-            <a:r>
-              <a:rPr lang="en-US" dirty="0"/>
-              <a:t>One of the challenges of writing a library like </a:t>
-            </a:r>
-            <a:r>
-              <a:rPr lang="en-US" dirty="0" err="1"/>
+            <a:endParaRPr lang="en-US" sz="1400" dirty="0"/>
+          </a:p>
+          <a:p>
+            <a:r>
+              <a:rPr lang="en-US" sz="1400" dirty="0"/>
+              <a:t>Idea – make certain operations non-blocking (for example, waiting to receive html page using </a:t>
+            </a:r>
+            <a:r>
+              <a:rPr lang="en-US" sz="1400" dirty="0" err="1"/>
+              <a:t>requests.get</a:t>
+            </a:r>
+            <a:r>
+              <a:rPr lang="en-US" sz="1400" dirty="0"/>
+              <a:t>())</a:t>
+            </a:r>
+          </a:p>
+          <a:p>
+            <a:endParaRPr lang="en-US" sz="1400" dirty="0"/>
+          </a:p>
+          <a:p>
+            <a:r>
+              <a:rPr lang="en-US" sz="1400" dirty="0"/>
+              <a:t>To achieve this we need to </a:t>
+            </a:r>
+            <a:r>
+              <a:rPr lang="en-US" sz="1400" b="1" dirty="0">
+                <a:solidFill>
+                  <a:srgbClr val="FF0000"/>
+                </a:solidFill>
+              </a:rPr>
+              <a:t>patch</a:t>
+            </a:r>
+            <a:r>
+              <a:rPr lang="en-US" sz="1400" dirty="0"/>
+              <a:t> </a:t>
+            </a:r>
+            <a:r>
+              <a:rPr lang="en-US" sz="1400" b="1" dirty="0">
+                <a:solidFill>
+                  <a:srgbClr val="00B050"/>
+                </a:solidFill>
+              </a:rPr>
+              <a:t>standard library modules</a:t>
+            </a:r>
+            <a:r>
+              <a:rPr lang="en-US" sz="1400" dirty="0"/>
+              <a:t> in certain key places so that they do cooperatively yield (make them non-blocking).</a:t>
+            </a:r>
+          </a:p>
+          <a:p>
+            <a:endParaRPr lang="en-US" sz="1400" dirty="0"/>
+          </a:p>
+          <a:p>
+            <a:r>
+              <a:rPr lang="en-US" sz="1400" dirty="0"/>
+              <a:t>The application using </a:t>
+            </a:r>
+            <a:r>
+              <a:rPr lang="en-US" sz="1400" dirty="0" err="1"/>
               <a:t>Eventlet</a:t>
             </a:r>
             <a:r>
-              <a:rPr lang="en-US" dirty="0"/>
-              <a:t> is that the built-in networking libraries don’t natively support the sort of </a:t>
-            </a:r>
-            <a:r>
-              <a:rPr lang="en-US" b="1" dirty="0">
-                <a:solidFill>
-                  <a:srgbClr val="FF0000"/>
-                </a:solidFill>
-              </a:rPr>
-              <a:t>cooperative yielding</a:t>
-            </a:r>
-            <a:r>
-              <a:rPr lang="en-US" dirty="0"/>
-              <a:t> that we need. </a:t>
-            </a:r>
-          </a:p>
-          <a:p>
-            <a:r>
-              <a:rPr lang="en-US" dirty="0"/>
-              <a:t>What we must do instead is </a:t>
-            </a:r>
-            <a:r>
-              <a:rPr lang="en-US" b="1" dirty="0">
-                <a:solidFill>
-                  <a:srgbClr val="FF0000"/>
-                </a:solidFill>
-              </a:rPr>
-              <a:t>patch</a:t>
-            </a:r>
-            <a:r>
-              <a:rPr lang="en-US" dirty="0"/>
+              <a:rPr lang="en-US" sz="1400" dirty="0"/>
+              <a:t> must explicitly "</a:t>
+            </a:r>
+            <a:r>
+              <a:rPr lang="en-US" sz="1400" b="1" dirty="0">
+                <a:solidFill>
+                  <a:srgbClr val="00B050"/>
+                </a:solidFill>
+              </a:rPr>
+              <a:t>green</a:t>
+            </a:r>
+            <a:r>
+              <a:rPr lang="en-US" sz="1400" dirty="0"/>
+              <a:t>" the world for itself, using one or both of the convenient methods provided.</a:t>
+            </a:r>
+          </a:p>
+          <a:p>
+            <a:r>
+              <a:rPr lang="en-US" sz="1400" dirty="0"/>
+              <a:t> - </a:t>
+            </a:r>
+            <a:r>
+              <a:rPr lang="en-US" sz="1400" dirty="0">
+                <a:hlinkClick r:id="rId5"/>
+              </a:rPr>
+              <a:t>https://eventlet.net/doc/patching.html</a:t>
+            </a:r>
+            <a:r>
+              <a:rPr lang="en-US" sz="1400" dirty="0"/>
               <a:t> </a:t>
             </a:r>
-            <a:r>
-              <a:rPr lang="en-US" b="1" dirty="0">
-                <a:solidFill>
-                  <a:srgbClr val="00B050"/>
-                </a:solidFill>
-              </a:rPr>
-              <a:t>standard library modules</a:t>
-            </a:r>
-            <a:r>
-              <a:rPr lang="en-US" dirty="0"/>
-              <a:t> in certain key places so that they do cooperatively yield.</a:t>
-            </a:r>
-          </a:p>
-          <a:p>
-            <a:r>
-              <a:rPr lang="en-US" dirty="0"/>
-              <a:t>The application using </a:t>
-            </a:r>
-            <a:r>
-              <a:rPr lang="en-US" dirty="0" err="1"/>
+          </a:p>
+          <a:p>
+            <a:endParaRPr lang="en-US" sz="1400" dirty="0"/>
+          </a:p>
+          <a:p>
+            <a:r>
+              <a:rPr lang="en-US" sz="1400" dirty="0"/>
+              <a:t>Note that green threads operate within the same OS tread. So when one of them uses a blocking operation, all of the green threads will get blocked.</a:t>
+            </a:r>
+          </a:p>
+          <a:p>
+            <a:endParaRPr lang="en-US" sz="1400" dirty="0"/>
+          </a:p>
+          <a:p>
+            <a:r>
+              <a:rPr lang="en-US" sz="1400" dirty="0"/>
+              <a:t>Note that some libraries, usually with C extensions, cannot be monkey-patched and therefore cannot benefit from using </a:t>
+            </a:r>
+            <a:r>
+              <a:rPr lang="en-US" sz="1400" dirty="0" err="1"/>
               <a:t>Eventlet</a:t>
             </a:r>
             <a:r>
-              <a:rPr lang="en-US" dirty="0"/>
-              <a:t> must explicitly "</a:t>
-            </a:r>
-            <a:r>
-              <a:rPr lang="en-US" b="1" dirty="0">
-                <a:solidFill>
-                  <a:srgbClr val="00B050"/>
-                </a:solidFill>
-              </a:rPr>
-              <a:t>green</a:t>
-            </a:r>
-            <a:r>
-              <a:rPr lang="en-US" dirty="0"/>
-              <a:t>" the world for itself, using one or both of the convenient methods provided.</a:t>
-            </a:r>
-          </a:p>
-          <a:p>
-            <a:r>
-              <a:rPr lang="en-US" dirty="0"/>
+              <a:rPr lang="en-US" sz="1400" dirty="0"/>
+              <a:t> - read these notes:</a:t>
+            </a:r>
+          </a:p>
+          <a:p>
+            <a:r>
+              <a:rPr lang="en-US" sz="1400" dirty="0"/>
               <a:t> - </a:t>
             </a:r>
             <a:r>
-              <a:rPr lang="en-US" dirty="0">
-                <a:hlinkClick r:id="rId5"/>
-              </a:rPr>
-              <a:t>https://eventlet.net/doc/patching.html</a:t>
-            </a:r>
-            <a:r>
-              <a:rPr lang="en-US" dirty="0"/>
-              <a:t> </a:t>
-            </a:r>
-          </a:p>
-          <a:p>
-            <a:endParaRPr lang="en-US" dirty="0"/>
-          </a:p>
-          <a:p>
-            <a:r>
-              <a:rPr lang="en-US" dirty="0"/>
-              <a:t>Note that some libraries, usually with C extensions, cannot be </a:t>
-            </a:r>
-            <a:r>
-              <a:rPr lang="en-US" dirty="0" err="1"/>
-              <a:t>monkeypatched</a:t>
-            </a:r>
-            <a:r>
-              <a:rPr lang="en-US" dirty="0"/>
-              <a:t> and therefore cannot benefit from using </a:t>
-            </a:r>
-            <a:r>
-              <a:rPr lang="en-US" dirty="0" err="1"/>
-              <a:t>Eventlet</a:t>
-            </a:r>
-            <a:r>
-              <a:rPr lang="en-US" dirty="0"/>
-              <a:t> - read these notes:</a:t>
-            </a:r>
-          </a:p>
-          <a:p>
-            <a:r>
-              <a:rPr lang="en-US" dirty="0"/>
-              <a:t> - </a:t>
-            </a:r>
-            <a:r>
-              <a:rPr lang="en-US" dirty="0">
+              <a:rPr lang="en-US" sz="1400" dirty="0">
                 <a:hlinkClick r:id="rId6"/>
               </a:rPr>
               <a:t>https://docs.celeryproject.org/en/stable/userguide/concurrency/eventlet.html</a:t>
             </a:r>
             <a:r>
-              <a:rPr lang="en-US" dirty="0"/>
+              <a:rPr lang="en-US" sz="1400" dirty="0"/>
               <a:t> </a:t>
             </a:r>
           </a:p>
@@ -4812,7 +4807,7 @@
         </p:nvSpPr>
         <p:spPr>
           <a:xfrm>
-            <a:off x="6594825" y="705177"/>
+            <a:off x="6547323" y="612844"/>
             <a:ext cx="5476875" cy="2862322"/>
           </a:xfrm>
           <a:prstGeom prst="rect">
